--- a/02-introduction-presentation/intro.pptx
+++ b/02-introduction-presentation/intro.pptx
@@ -255,7 +255,7 @@
             <a:fld id="{350B7780-B50B-474C-85C6-0B4009B6F014}" type="datetimeFigureOut">
               <a:rPr lang="de-DE" smtClean="0"/>
               <a:pPr/>
-              <a:t>07.05.2019</a:t>
+              <a:t>08.05.2019</a:t>
             </a:fld>
             <a:endParaRPr lang="de-DE"/>
           </a:p>
@@ -322,7 +322,7 @@
             <a:fld id="{D43DEED9-C1BB-4DBE-A071-13CC6F6B90F4}" type="slidenum">
               <a:rPr lang="de-DE" smtClean="0"/>
               <a:pPr/>
-              <a:t>‹Nr.›</a:t>
+              <a:t>‹#›</a:t>
             </a:fld>
             <a:endParaRPr lang="de-DE"/>
           </a:p>
@@ -417,7 +417,7 @@
             <a:fld id="{19FFB102-D3AF-431C-A902-ADE5B2A48608}" type="datetimeFigureOut">
               <a:rPr lang="de-DE" smtClean="0"/>
               <a:pPr/>
-              <a:t>07.05.2019</a:t>
+              <a:t>08.05.2019</a:t>
             </a:fld>
             <a:endParaRPr lang="de-DE"/>
           </a:p>
@@ -578,7 +578,7 @@
             <a:fld id="{C7C1E745-E753-4EB9-8485-6560CD204B37}" type="slidenum">
               <a:rPr lang="de-DE" smtClean="0"/>
               <a:pPr/>
-              <a:t>‹Nr.›</a:t>
+              <a:t>‹#›</a:t>
             </a:fld>
             <a:endParaRPr lang="de-DE"/>
           </a:p>
@@ -1424,7 +1424,7 @@
           <a:p>
             <a:fld id="{9BBAE405-9238-4745-AB75-58013C9D9462}" type="slidenum">
               <a:rPr lang="de-DE" smtClean="0"/>
-              <a:t>‹Nr.›</a:t>
+              <a:t>‹#›</a:t>
             </a:fld>
             <a:endParaRPr lang="de-DE" dirty="0"/>
           </a:p>
@@ -2245,7 +2245,7 @@
           <a:p>
             <a:fld id="{9BBAE405-9238-4745-AB75-58013C9D9462}" type="slidenum">
               <a:rPr lang="de-DE" smtClean="0"/>
-              <a:t>‹Nr.›</a:t>
+              <a:t>‹#›</a:t>
             </a:fld>
             <a:endParaRPr lang="de-DE" dirty="0"/>
           </a:p>
@@ -2604,61 +2604,9 @@
           <a:lstStyle/>
           <a:p>
             <a:r>
-              <a:rPr lang="de-DE" dirty="0" err="1"/>
-              <a:t>Optimizing</a:t>
-            </a:r>
-            <a:r>
-              <a:rPr lang="de-DE" dirty="0"/>
-              <a:t> </a:t>
-            </a:r>
-            <a:r>
-              <a:rPr lang="de-DE" dirty="0" err="1"/>
-              <a:t>mouse</a:t>
-            </a:r>
-            <a:r>
-              <a:rPr lang="de-DE" dirty="0"/>
-              <a:t> </a:t>
-            </a:r>
-            <a:r>
-              <a:rPr lang="de-DE" dirty="0" err="1"/>
-              <a:t>transfer</a:t>
-            </a:r>
-            <a:r>
-              <a:rPr lang="de-DE" dirty="0"/>
-              <a:t> </a:t>
-            </a:r>
-            <a:r>
-              <a:rPr lang="de-DE" dirty="0" err="1"/>
-              <a:t>function</a:t>
-            </a:r>
-            <a:r>
-              <a:rPr lang="de-DE" dirty="0"/>
-              <a:t> </a:t>
-            </a:r>
-            <a:r>
-              <a:rPr lang="de-DE" dirty="0" err="1"/>
-              <a:t>using</a:t>
-            </a:r>
-            <a:r>
-              <a:rPr lang="de-DE" dirty="0"/>
-              <a:t> </a:t>
-            </a:r>
-            <a:r>
-              <a:rPr lang="de-DE" dirty="0" err="1"/>
-              <a:t>reinforcement</a:t>
-            </a:r>
-            <a:r>
-              <a:rPr lang="de-DE" dirty="0"/>
-              <a:t> </a:t>
-            </a:r>
-            <a:r>
-              <a:rPr lang="de-DE" dirty="0" err="1"/>
-              <a:t>learning</a:t>
-            </a:r>
-            <a:endParaRPr lang="de-DE" dirty="0"/>
-          </a:p>
-          <a:p>
-            <a:endParaRPr lang="de-DE" dirty="0"/>
+              <a:rPr lang="de-DE" dirty="0"/>
+              <a:t>Being faster than in Real-Time</a:t>
+            </a:r>
           </a:p>
         </p:txBody>
       </p:sp>
@@ -3367,10 +3315,9 @@
           <a:lstStyle/>
           <a:p>
             <a:r>
-              <a:rPr lang="de-DE" dirty="0" err="1"/>
-              <a:t>Enviroment</a:t>
-            </a:r>
-            <a:endParaRPr lang="de-DE" dirty="0"/>
+              <a:rPr lang="de-DE" dirty="0"/>
+              <a:t>Environment</a:t>
+            </a:r>
           </a:p>
         </p:txBody>
       </p:sp>
